--- a/Class Slides 2024/Class 15.pptx
+++ b/Class Slides 2024/Class 15.pptx
@@ -13,15 +13,7 @@
     <p:sldId id="258" r:id="rId7"/>
     <p:sldId id="259" r:id="rId8"/>
     <p:sldId id="260" r:id="rId9"/>
-    <p:sldId id="285" r:id="rId10"/>
-    <p:sldId id="286" r:id="rId11"/>
-    <p:sldId id="289" r:id="rId12"/>
-    <p:sldId id="288" r:id="rId13"/>
-    <p:sldId id="290" r:id="rId14"/>
-    <p:sldId id="291" r:id="rId15"/>
-    <p:sldId id="292" r:id="rId16"/>
-    <p:sldId id="287" r:id="rId17"/>
-    <p:sldId id="257" r:id="rId18"/>
+    <p:sldId id="257" r:id="rId10"/>
   </p:sldIdLst>
   <p:sldSz cx="12192000" cy="6858000"/>
   <p:notesSz cx="7102475" cy="9388475"/>
@@ -275,7 +267,7 @@
           <a:p>
             <a:fld id="{54C02000-2437-4124-A50E-6426CFF0B9D2}" type="datetimeFigureOut">
               <a:rPr lang="en-US" smtClean="0"/>
-              <a:t>2/5/2024</a:t>
+              <a:t>2/7/2024</a:t>
             </a:fld>
             <a:endParaRPr lang="en-US"/>
           </a:p>
@@ -473,7 +465,7 @@
           <a:p>
             <a:fld id="{54C02000-2437-4124-A50E-6426CFF0B9D2}" type="datetimeFigureOut">
               <a:rPr lang="en-US" smtClean="0"/>
-              <a:t>2/5/2024</a:t>
+              <a:t>2/7/2024</a:t>
             </a:fld>
             <a:endParaRPr lang="en-US"/>
           </a:p>
@@ -681,7 +673,7 @@
           <a:p>
             <a:fld id="{54C02000-2437-4124-A50E-6426CFF0B9D2}" type="datetimeFigureOut">
               <a:rPr lang="en-US" smtClean="0"/>
-              <a:t>2/5/2024</a:t>
+              <a:t>2/7/2024</a:t>
             </a:fld>
             <a:endParaRPr lang="en-US"/>
           </a:p>
@@ -879,7 +871,7 @@
           <a:p>
             <a:fld id="{54C02000-2437-4124-A50E-6426CFF0B9D2}" type="datetimeFigureOut">
               <a:rPr lang="en-US" smtClean="0"/>
-              <a:t>2/5/2024</a:t>
+              <a:t>2/7/2024</a:t>
             </a:fld>
             <a:endParaRPr lang="en-US"/>
           </a:p>
@@ -1154,7 +1146,7 @@
           <a:p>
             <a:fld id="{54C02000-2437-4124-A50E-6426CFF0B9D2}" type="datetimeFigureOut">
               <a:rPr lang="en-US" smtClean="0"/>
-              <a:t>2/5/2024</a:t>
+              <a:t>2/7/2024</a:t>
             </a:fld>
             <a:endParaRPr lang="en-US"/>
           </a:p>
@@ -1419,7 +1411,7 @@
           <a:p>
             <a:fld id="{54C02000-2437-4124-A50E-6426CFF0B9D2}" type="datetimeFigureOut">
               <a:rPr lang="en-US" smtClean="0"/>
-              <a:t>2/5/2024</a:t>
+              <a:t>2/7/2024</a:t>
             </a:fld>
             <a:endParaRPr lang="en-US"/>
           </a:p>
@@ -1831,7 +1823,7 @@
           <a:p>
             <a:fld id="{54C02000-2437-4124-A50E-6426CFF0B9D2}" type="datetimeFigureOut">
               <a:rPr lang="en-US" smtClean="0"/>
-              <a:t>2/5/2024</a:t>
+              <a:t>2/7/2024</a:t>
             </a:fld>
             <a:endParaRPr lang="en-US"/>
           </a:p>
@@ -1972,7 +1964,7 @@
           <a:p>
             <a:fld id="{54C02000-2437-4124-A50E-6426CFF0B9D2}" type="datetimeFigureOut">
               <a:rPr lang="en-US" smtClean="0"/>
-              <a:t>2/5/2024</a:t>
+              <a:t>2/7/2024</a:t>
             </a:fld>
             <a:endParaRPr lang="en-US"/>
           </a:p>
@@ -2085,7 +2077,7 @@
           <a:p>
             <a:fld id="{54C02000-2437-4124-A50E-6426CFF0B9D2}" type="datetimeFigureOut">
               <a:rPr lang="en-US" smtClean="0"/>
-              <a:t>2/5/2024</a:t>
+              <a:t>2/7/2024</a:t>
             </a:fld>
             <a:endParaRPr lang="en-US"/>
           </a:p>
@@ -2396,7 +2388,7 @@
           <a:p>
             <a:fld id="{54C02000-2437-4124-A50E-6426CFF0B9D2}" type="datetimeFigureOut">
               <a:rPr lang="en-US" smtClean="0"/>
-              <a:t>2/5/2024</a:t>
+              <a:t>2/7/2024</a:t>
             </a:fld>
             <a:endParaRPr lang="en-US"/>
           </a:p>
@@ -2684,7 +2676,7 @@
           <a:p>
             <a:fld id="{54C02000-2437-4124-A50E-6426CFF0B9D2}" type="datetimeFigureOut">
               <a:rPr lang="en-US" smtClean="0"/>
-              <a:t>2/5/2024</a:t>
+              <a:t>2/7/2024</a:t>
             </a:fld>
             <a:endParaRPr lang="en-US"/>
           </a:p>
@@ -2925,7 +2917,7 @@
           <a:p>
             <a:fld id="{54C02000-2437-4124-A50E-6426CFF0B9D2}" type="datetimeFigureOut">
               <a:rPr lang="en-US" smtClean="0"/>
-              <a:t>2/5/2024</a:t>
+              <a:t>2/7/2024</a:t>
             </a:fld>
             <a:endParaRPr lang="en-US"/>
           </a:p>
@@ -3446,1296 +3438,6 @@
 </p:sld>
 </file>
 
-<file path=ppt/slides/slide10.xml><?xml version="1.0" encoding="utf-8"?>
-<p:sld xmlns:a="http://schemas.openxmlformats.org/drawingml/2006/main" xmlns:r="http://schemas.openxmlformats.org/officeDocument/2006/relationships" xmlns:p="http://schemas.openxmlformats.org/presentationml/2006/main">
-  <p:cSld>
-    <p:spTree>
-      <p:nvGrpSpPr>
-        <p:cNvPr id="1" name=""/>
-        <p:cNvGrpSpPr/>
-        <p:nvPr/>
-      </p:nvGrpSpPr>
-      <p:grpSpPr>
-        <a:xfrm>
-          <a:off x="0" y="0"/>
-          <a:ext cx="0" cy="0"/>
-          <a:chOff x="0" y="0"/>
-          <a:chExt cx="0" cy="0"/>
-        </a:xfrm>
-      </p:grpSpPr>
-      <p:sp>
-        <p:nvSpPr>
-          <p:cNvPr id="10" name="Title 9">
-            <a:extLst>
-              <a:ext uri="{FF2B5EF4-FFF2-40B4-BE49-F238E27FC236}">
-                <a16:creationId xmlns:a16="http://schemas.microsoft.com/office/drawing/2014/main" id="{FF12B96C-9E39-57B5-B032-80FE7FC41838}"/>
-              </a:ext>
-            </a:extLst>
-          </p:cNvPr>
-          <p:cNvSpPr>
-            <a:spLocks noGrp="1"/>
-          </p:cNvSpPr>
-          <p:nvPr>
-            <p:ph type="title"/>
-          </p:nvPr>
-        </p:nvSpPr>
-        <p:spPr/>
-        <p:txBody>
-          <a:bodyPr/>
-          <a:lstStyle/>
-          <a:p>
-            <a:endParaRPr lang="en-US"/>
-          </a:p>
-        </p:txBody>
-      </p:sp>
-      <p:sp>
-        <p:nvSpPr>
-          <p:cNvPr id="11" name="Text Placeholder 10">
-            <a:extLst>
-              <a:ext uri="{FF2B5EF4-FFF2-40B4-BE49-F238E27FC236}">
-                <a16:creationId xmlns:a16="http://schemas.microsoft.com/office/drawing/2014/main" id="{AFD4D526-4BF9-4875-6004-260087AF0322}"/>
-              </a:ext>
-            </a:extLst>
-          </p:cNvPr>
-          <p:cNvSpPr>
-            <a:spLocks noGrp="1"/>
-          </p:cNvSpPr>
-          <p:nvPr>
-            <p:ph type="body" idx="1"/>
-          </p:nvPr>
-        </p:nvSpPr>
-        <p:spPr/>
-        <p:txBody>
-          <a:bodyPr/>
-          <a:lstStyle/>
-          <a:p>
-            <a:endParaRPr lang="en-US"/>
-          </a:p>
-        </p:txBody>
-      </p:sp>
-      <p:sp>
-        <p:nvSpPr>
-          <p:cNvPr id="12" name="Content Placeholder 11">
-            <a:extLst>
-              <a:ext uri="{FF2B5EF4-FFF2-40B4-BE49-F238E27FC236}">
-                <a16:creationId xmlns:a16="http://schemas.microsoft.com/office/drawing/2014/main" id="{CF39ACE2-D8A0-143E-D094-C4F2E941F97C}"/>
-              </a:ext>
-            </a:extLst>
-          </p:cNvPr>
-          <p:cNvSpPr>
-            <a:spLocks noGrp="1"/>
-          </p:cNvSpPr>
-          <p:nvPr>
-            <p:ph sz="half" idx="2"/>
-          </p:nvPr>
-        </p:nvSpPr>
-        <p:spPr/>
-        <p:txBody>
-          <a:bodyPr/>
-          <a:lstStyle/>
-          <a:p>
-            <a:endParaRPr lang="en-US"/>
-          </a:p>
-        </p:txBody>
-      </p:sp>
-      <p:sp>
-        <p:nvSpPr>
-          <p:cNvPr id="13" name="Text Placeholder 12">
-            <a:extLst>
-              <a:ext uri="{FF2B5EF4-FFF2-40B4-BE49-F238E27FC236}">
-                <a16:creationId xmlns:a16="http://schemas.microsoft.com/office/drawing/2014/main" id="{5D025BF9-66F7-E522-60E1-C06509E078F0}"/>
-              </a:ext>
-            </a:extLst>
-          </p:cNvPr>
-          <p:cNvSpPr>
-            <a:spLocks noGrp="1"/>
-          </p:cNvSpPr>
-          <p:nvPr>
-            <p:ph type="body" sz="quarter" idx="3"/>
-          </p:nvPr>
-        </p:nvSpPr>
-        <p:spPr/>
-        <p:txBody>
-          <a:bodyPr/>
-          <a:lstStyle/>
-          <a:p>
-            <a:endParaRPr lang="en-US"/>
-          </a:p>
-        </p:txBody>
-      </p:sp>
-      <p:sp>
-        <p:nvSpPr>
-          <p:cNvPr id="14" name="Content Placeholder 13">
-            <a:extLst>
-              <a:ext uri="{FF2B5EF4-FFF2-40B4-BE49-F238E27FC236}">
-                <a16:creationId xmlns:a16="http://schemas.microsoft.com/office/drawing/2014/main" id="{C5891828-0516-75BC-D7A5-5A7A85E9DF10}"/>
-              </a:ext>
-            </a:extLst>
-          </p:cNvPr>
-          <p:cNvSpPr>
-            <a:spLocks noGrp="1"/>
-          </p:cNvSpPr>
-          <p:nvPr>
-            <p:ph sz="quarter" idx="4"/>
-          </p:nvPr>
-        </p:nvSpPr>
-        <p:spPr/>
-        <p:txBody>
-          <a:bodyPr/>
-          <a:lstStyle/>
-          <a:p>
-            <a:endParaRPr lang="en-US"/>
-          </a:p>
-        </p:txBody>
-      </p:sp>
-      <p:pic>
-        <p:nvPicPr>
-          <p:cNvPr id="5" name="Picture 4">
-            <a:extLst>
-              <a:ext uri="{FF2B5EF4-FFF2-40B4-BE49-F238E27FC236}">
-                <a16:creationId xmlns:a16="http://schemas.microsoft.com/office/drawing/2014/main" id="{41A36183-2701-C01A-E3E4-9708D08063AC}"/>
-              </a:ext>
-            </a:extLst>
-          </p:cNvPr>
-          <p:cNvPicPr>
-            <a:picLocks noChangeAspect="1"/>
-          </p:cNvPicPr>
-          <p:nvPr/>
-        </p:nvPicPr>
-        <p:blipFill>
-          <a:blip r:embed="rId2"/>
-          <a:stretch>
-            <a:fillRect/>
-          </a:stretch>
-        </p:blipFill>
-        <p:spPr>
-          <a:xfrm>
-            <a:off x="838200" y="1374775"/>
-            <a:ext cx="4791075" cy="3838575"/>
-          </a:xfrm>
-          <a:prstGeom prst="rect">
-            <a:avLst/>
-          </a:prstGeom>
-        </p:spPr>
-      </p:pic>
-      <p:pic>
-        <p:nvPicPr>
-          <p:cNvPr id="7" name="Picture 6">
-            <a:extLst>
-              <a:ext uri="{FF2B5EF4-FFF2-40B4-BE49-F238E27FC236}">
-                <a16:creationId xmlns:a16="http://schemas.microsoft.com/office/drawing/2014/main" id="{200928A7-B548-9F55-32C4-A1E149905E3A}"/>
-              </a:ext>
-            </a:extLst>
-          </p:cNvPr>
-          <p:cNvPicPr>
-            <a:picLocks noChangeAspect="1"/>
-          </p:cNvPicPr>
-          <p:nvPr/>
-        </p:nvPicPr>
-        <p:blipFill>
-          <a:blip r:embed="rId3"/>
-          <a:stretch>
-            <a:fillRect/>
-          </a:stretch>
-        </p:blipFill>
-        <p:spPr>
-          <a:xfrm>
-            <a:off x="966787" y="5348287"/>
-            <a:ext cx="4772025" cy="1285875"/>
-          </a:xfrm>
-          <a:prstGeom prst="rect">
-            <a:avLst/>
-          </a:prstGeom>
-        </p:spPr>
-      </p:pic>
-      <p:pic>
-        <p:nvPicPr>
-          <p:cNvPr id="9" name="Picture 8">
-            <a:extLst>
-              <a:ext uri="{FF2B5EF4-FFF2-40B4-BE49-F238E27FC236}">
-                <a16:creationId xmlns:a16="http://schemas.microsoft.com/office/drawing/2014/main" id="{F6FFAAE7-CB65-A9C6-382A-247DF8673F6E}"/>
-              </a:ext>
-            </a:extLst>
-          </p:cNvPr>
-          <p:cNvPicPr>
-            <a:picLocks noChangeAspect="1"/>
-          </p:cNvPicPr>
-          <p:nvPr/>
-        </p:nvPicPr>
-        <p:blipFill>
-          <a:blip r:embed="rId4"/>
-          <a:stretch>
-            <a:fillRect/>
-          </a:stretch>
-        </p:blipFill>
-        <p:spPr>
-          <a:xfrm>
-            <a:off x="6453190" y="833437"/>
-            <a:ext cx="4848225" cy="5800725"/>
-          </a:xfrm>
-          <a:prstGeom prst="rect">
-            <a:avLst/>
-          </a:prstGeom>
-        </p:spPr>
-      </p:pic>
-    </p:spTree>
-    <p:extLst>
-      <p:ext uri="{BB962C8B-B14F-4D97-AF65-F5344CB8AC3E}">
-        <p14:creationId xmlns:p14="http://schemas.microsoft.com/office/powerpoint/2010/main" val="2819509213"/>
-      </p:ext>
-    </p:extLst>
-  </p:cSld>
-  <p:clrMapOvr>
-    <a:masterClrMapping/>
-  </p:clrMapOvr>
-</p:sld>
-</file>
-
-<file path=ppt/slides/slide11.xml><?xml version="1.0" encoding="utf-8"?>
-<p:sld xmlns:a="http://schemas.openxmlformats.org/drawingml/2006/main" xmlns:r="http://schemas.openxmlformats.org/officeDocument/2006/relationships" xmlns:p="http://schemas.openxmlformats.org/presentationml/2006/main">
-  <p:cSld>
-    <p:spTree>
-      <p:nvGrpSpPr>
-        <p:cNvPr id="1" name=""/>
-        <p:cNvGrpSpPr/>
-        <p:nvPr/>
-      </p:nvGrpSpPr>
-      <p:grpSpPr>
-        <a:xfrm>
-          <a:off x="0" y="0"/>
-          <a:ext cx="0" cy="0"/>
-          <a:chOff x="0" y="0"/>
-          <a:chExt cx="0" cy="0"/>
-        </a:xfrm>
-      </p:grpSpPr>
-      <p:sp>
-        <p:nvSpPr>
-          <p:cNvPr id="7" name="Title 6">
-            <a:extLst>
-              <a:ext uri="{FF2B5EF4-FFF2-40B4-BE49-F238E27FC236}">
-                <a16:creationId xmlns:a16="http://schemas.microsoft.com/office/drawing/2014/main" id="{015F2188-DF89-E16D-6F05-8C6FE6CB5C43}"/>
-              </a:ext>
-            </a:extLst>
-          </p:cNvPr>
-          <p:cNvSpPr>
-            <a:spLocks noGrp="1"/>
-          </p:cNvSpPr>
-          <p:nvPr>
-            <p:ph type="title"/>
-          </p:nvPr>
-        </p:nvSpPr>
-        <p:spPr/>
-        <p:txBody>
-          <a:bodyPr/>
-          <a:lstStyle/>
-          <a:p>
-            <a:r>
-              <a:rPr lang="en-US" dirty="0"/>
-              <a:t>Study 1</a:t>
-            </a:r>
-          </a:p>
-        </p:txBody>
-      </p:sp>
-      <p:sp>
-        <p:nvSpPr>
-          <p:cNvPr id="8" name="Content Placeholder 7">
-            <a:extLst>
-              <a:ext uri="{FF2B5EF4-FFF2-40B4-BE49-F238E27FC236}">
-                <a16:creationId xmlns:a16="http://schemas.microsoft.com/office/drawing/2014/main" id="{9870FF57-3A1E-549A-B5EE-49999B618005}"/>
-              </a:ext>
-            </a:extLst>
-          </p:cNvPr>
-          <p:cNvSpPr>
-            <a:spLocks noGrp="1"/>
-          </p:cNvSpPr>
-          <p:nvPr>
-            <p:ph idx="1"/>
-          </p:nvPr>
-        </p:nvSpPr>
-        <p:spPr/>
-        <p:txBody>
-          <a:bodyPr>
-            <a:normAutofit lnSpcReduction="10000"/>
-          </a:bodyPr>
-          <a:lstStyle/>
-          <a:p>
-            <a:pPr algn="l"/>
-            <a:r>
-              <a:rPr lang="en-US" sz="3200" b="0" i="0" u="none" strike="noStrike" baseline="0" dirty="0">
-                <a:latin typeface="AdvOTf9433e2d"/>
-              </a:rPr>
-              <a:t>Study 1 was designed such that participants</a:t>
-            </a:r>
-            <a:r>
-              <a:rPr lang="en-US" sz="3200" b="0" i="0" u="none" strike="noStrike" baseline="0" dirty="0">
-                <a:latin typeface="AdvOT8608a8d1+20"/>
-              </a:rPr>
-              <a:t>’ </a:t>
-            </a:r>
-            <a:r>
-              <a:rPr lang="en-US" sz="3200" b="0" i="0" u="none" strike="noStrike" baseline="0" dirty="0">
-                <a:latin typeface="AdvOTf9433e2d"/>
-              </a:rPr>
-              <a:t>goal was to solve more puzzles. Anger was expected to increase goal attainment (i.e., number of puzzles solved) relative to a neutral state on challenging puzzles. The dif</a:t>
-            </a:r>
-            <a:r>
-              <a:rPr lang="en-US" sz="3200" b="0" i="0" u="none" strike="noStrike" baseline="0" dirty="0">
-                <a:latin typeface="AdvOTf9433e2d+fb"/>
-              </a:rPr>
-              <a:t>fi</a:t>
-            </a:r>
-            <a:r>
-              <a:rPr lang="en-US" sz="3200" b="0" i="0" u="none" strike="noStrike" baseline="0" dirty="0">
-                <a:latin typeface="AdvOTf9433e2d"/>
-              </a:rPr>
-              <a:t>culty of the puzzles in this situation can be overcome with greater persistence in attempting to solve the puzzles, and therefore, we also examined persistence on the task. In addition to comparison to a neutral condition, the effects of anger were compared to the effects of other states that varied in their valence and approach orientation.</a:t>
-            </a:r>
-            <a:endParaRPr lang="en-US" sz="4400" dirty="0"/>
-          </a:p>
-        </p:txBody>
-      </p:sp>
-    </p:spTree>
-    <p:extLst>
-      <p:ext uri="{BB962C8B-B14F-4D97-AF65-F5344CB8AC3E}">
-        <p14:creationId xmlns:p14="http://schemas.microsoft.com/office/powerpoint/2010/main" val="1573939526"/>
-      </p:ext>
-    </p:extLst>
-  </p:cSld>
-  <p:clrMapOvr>
-    <a:masterClrMapping/>
-  </p:clrMapOvr>
-</p:sld>
-</file>
-
-<file path=ppt/slides/slide12.xml><?xml version="1.0" encoding="utf-8"?>
-<p:sld xmlns:a="http://schemas.openxmlformats.org/drawingml/2006/main" xmlns:r="http://schemas.openxmlformats.org/officeDocument/2006/relationships" xmlns:p="http://schemas.openxmlformats.org/presentationml/2006/main">
-  <p:cSld>
-    <p:spTree>
-      <p:nvGrpSpPr>
-        <p:cNvPr id="1" name=""/>
-        <p:cNvGrpSpPr/>
-        <p:nvPr/>
-      </p:nvGrpSpPr>
-      <p:grpSpPr>
-        <a:xfrm>
-          <a:off x="0" y="0"/>
-          <a:ext cx="0" cy="0"/>
-          <a:chOff x="0" y="0"/>
-          <a:chExt cx="0" cy="0"/>
-        </a:xfrm>
-      </p:grpSpPr>
-      <p:sp>
-        <p:nvSpPr>
-          <p:cNvPr id="7" name="Title 6">
-            <a:extLst>
-              <a:ext uri="{FF2B5EF4-FFF2-40B4-BE49-F238E27FC236}">
-                <a16:creationId xmlns:a16="http://schemas.microsoft.com/office/drawing/2014/main" id="{B2D9181E-27BF-89AF-8236-EF664F60AEC3}"/>
-              </a:ext>
-            </a:extLst>
-          </p:cNvPr>
-          <p:cNvSpPr>
-            <a:spLocks noGrp="1"/>
-          </p:cNvSpPr>
-          <p:nvPr>
-            <p:ph type="title"/>
-          </p:nvPr>
-        </p:nvSpPr>
-        <p:spPr/>
-        <p:txBody>
-          <a:bodyPr/>
-          <a:lstStyle/>
-          <a:p>
-            <a:r>
-              <a:rPr lang="en-US" dirty="0"/>
-              <a:t>Methods</a:t>
-            </a:r>
-          </a:p>
-        </p:txBody>
-      </p:sp>
-      <p:sp>
-        <p:nvSpPr>
-          <p:cNvPr id="8" name="Content Placeholder 7">
-            <a:extLst>
-              <a:ext uri="{FF2B5EF4-FFF2-40B4-BE49-F238E27FC236}">
-                <a16:creationId xmlns:a16="http://schemas.microsoft.com/office/drawing/2014/main" id="{3610D95B-E89A-5424-D5B8-0E78255607E4}"/>
-              </a:ext>
-            </a:extLst>
-          </p:cNvPr>
-          <p:cNvSpPr>
-            <a:spLocks noGrp="1"/>
-          </p:cNvSpPr>
-          <p:nvPr>
-            <p:ph idx="1"/>
-          </p:nvPr>
-        </p:nvSpPr>
-        <p:spPr/>
-        <p:txBody>
-          <a:bodyPr>
-            <a:normAutofit/>
-          </a:bodyPr>
-          <a:lstStyle/>
-          <a:p>
-            <a:pPr algn="l"/>
-            <a:r>
-              <a:rPr lang="en-US" b="0" i="0" u="none" strike="noStrike" baseline="0" dirty="0">
-                <a:latin typeface="AdvOTf9433e2d"/>
-              </a:rPr>
-              <a:t>Participants were randomly assigned to emotion condition (anger, neutral, amusement, desire, sadness). Emotions were elicited through images that forwarded automatically in a slide show consisting of </a:t>
-            </a:r>
-            <a:r>
-              <a:rPr lang="en-US" b="0" i="0" u="none" strike="noStrike" baseline="0" dirty="0">
-                <a:latin typeface="AdvOTf9433e2d+fb"/>
-              </a:rPr>
-              <a:t>fi</a:t>
-            </a:r>
-            <a:r>
-              <a:rPr lang="en-US" b="0" i="0" u="none" strike="noStrike" baseline="0" dirty="0">
-                <a:latin typeface="AdvOTf9433e2d"/>
-              </a:rPr>
-              <a:t>fteen images displayed for 5 s each (a common emotion elicitation associated with medium-to-large effect sizes; H. C. </a:t>
-            </a:r>
-            <a:r>
-              <a:rPr lang="en-US" b="0" i="0" u="none" strike="noStrike" baseline="0" dirty="0" err="1">
-                <a:latin typeface="AdvOTf9433e2d"/>
-              </a:rPr>
-              <a:t>Lench</a:t>
-            </a:r>
-            <a:r>
-              <a:rPr lang="en-US" b="0" i="0" u="none" strike="noStrike" baseline="0" dirty="0">
-                <a:latin typeface="AdvOTf9433e2d"/>
-              </a:rPr>
-              <a:t> et al., 2011). Images from the IAPS (Lang, 1995) were chosen that have been shown to elicit amusement, sadness, anger, or neutral emotion in the previous standardization studies (</a:t>
-            </a:r>
-            <a:r>
-              <a:rPr lang="en-US" b="0" i="0" u="none" strike="noStrike" baseline="0" dirty="0" err="1">
-                <a:latin typeface="AdvOTf9433e2d"/>
-              </a:rPr>
-              <a:t>Mikels</a:t>
-            </a:r>
-            <a:r>
-              <a:rPr lang="en-US" b="0" i="0" u="none" strike="noStrike" baseline="0" dirty="0">
-                <a:latin typeface="AdvOTf9433e2d"/>
-              </a:rPr>
-              <a:t> et al., 2005).1 The number of IAPS images that elicit anger speci</a:t>
-            </a:r>
-            <a:r>
-              <a:rPr lang="en-US" b="0" i="0" u="none" strike="noStrike" baseline="0" dirty="0">
-                <a:latin typeface="AdvOTf9433e2d+fb"/>
-              </a:rPr>
-              <a:t>fi</a:t>
-            </a:r>
-            <a:r>
-              <a:rPr lang="en-US" b="0" i="0" u="none" strike="noStrike" baseline="0" dirty="0">
-                <a:latin typeface="AdvOTf9433e2d"/>
-              </a:rPr>
-              <a:t>cally is relatively small, and therefore, we developed seven images speci</a:t>
-            </a:r>
-            <a:r>
-              <a:rPr lang="en-US" b="0" i="0" u="none" strike="noStrike" baseline="0" dirty="0">
-                <a:latin typeface="AdvOTf9433e2d+fb"/>
-              </a:rPr>
-              <a:t>fi</a:t>
-            </a:r>
-            <a:r>
-              <a:rPr lang="en-US" b="0" i="0" u="none" strike="noStrike" baseline="0" dirty="0">
-                <a:latin typeface="AdvOTf9433e2d"/>
-              </a:rPr>
-              <a:t>c to the study population (e.g., insults to the university football team).</a:t>
-            </a:r>
-            <a:endParaRPr lang="en-US" sz="4000" dirty="0"/>
-          </a:p>
-        </p:txBody>
-      </p:sp>
-    </p:spTree>
-    <p:extLst>
-      <p:ext uri="{BB962C8B-B14F-4D97-AF65-F5344CB8AC3E}">
-        <p14:creationId xmlns:p14="http://schemas.microsoft.com/office/powerpoint/2010/main" val="2203363932"/>
-      </p:ext>
-    </p:extLst>
-  </p:cSld>
-  <p:clrMapOvr>
-    <a:masterClrMapping/>
-  </p:clrMapOvr>
-</p:sld>
-</file>
-
-<file path=ppt/slides/slide13.xml><?xml version="1.0" encoding="utf-8"?>
-<p:sld xmlns:a="http://schemas.openxmlformats.org/drawingml/2006/main" xmlns:r="http://schemas.openxmlformats.org/officeDocument/2006/relationships" xmlns:p="http://schemas.openxmlformats.org/presentationml/2006/main">
-  <p:cSld>
-    <p:spTree>
-      <p:nvGrpSpPr>
-        <p:cNvPr id="1" name=""/>
-        <p:cNvGrpSpPr/>
-        <p:nvPr/>
-      </p:nvGrpSpPr>
-      <p:grpSpPr>
-        <a:xfrm>
-          <a:off x="0" y="0"/>
-          <a:ext cx="0" cy="0"/>
-          <a:chOff x="0" y="0"/>
-          <a:chExt cx="0" cy="0"/>
-        </a:xfrm>
-      </p:grpSpPr>
-      <p:sp>
-        <p:nvSpPr>
-          <p:cNvPr id="2" name="Title 1">
-            <a:extLst>
-              <a:ext uri="{FF2B5EF4-FFF2-40B4-BE49-F238E27FC236}">
-                <a16:creationId xmlns:a16="http://schemas.microsoft.com/office/drawing/2014/main" id="{0C8F1667-666F-9F00-0A21-C3FC0C072F21}"/>
-              </a:ext>
-            </a:extLst>
-          </p:cNvPr>
-          <p:cNvSpPr>
-            <a:spLocks noGrp="1"/>
-          </p:cNvSpPr>
-          <p:nvPr>
-            <p:ph type="title"/>
-          </p:nvPr>
-        </p:nvSpPr>
-        <p:spPr/>
-        <p:txBody>
-          <a:bodyPr/>
-          <a:lstStyle/>
-          <a:p>
-            <a:r>
-              <a:rPr lang="en-US" dirty="0"/>
-              <a:t>Manipulation check</a:t>
-            </a:r>
-          </a:p>
-        </p:txBody>
-      </p:sp>
-      <p:sp>
-        <p:nvSpPr>
-          <p:cNvPr id="3" name="Content Placeholder 2">
-            <a:extLst>
-              <a:ext uri="{FF2B5EF4-FFF2-40B4-BE49-F238E27FC236}">
-                <a16:creationId xmlns:a16="http://schemas.microsoft.com/office/drawing/2014/main" id="{BA472A70-61A9-1A30-BA0F-0CEBE5A98871}"/>
-              </a:ext>
-            </a:extLst>
-          </p:cNvPr>
-          <p:cNvSpPr>
-            <a:spLocks noGrp="1"/>
-          </p:cNvSpPr>
-          <p:nvPr>
-            <p:ph idx="1"/>
-          </p:nvPr>
-        </p:nvSpPr>
-        <p:spPr/>
-        <p:txBody>
-          <a:bodyPr/>
-          <a:lstStyle/>
-          <a:p>
-            <a:endParaRPr lang="en-US"/>
-          </a:p>
-        </p:txBody>
-      </p:sp>
-      <p:pic>
-        <p:nvPicPr>
-          <p:cNvPr id="5" name="Picture 4">
-            <a:extLst>
-              <a:ext uri="{FF2B5EF4-FFF2-40B4-BE49-F238E27FC236}">
-                <a16:creationId xmlns:a16="http://schemas.microsoft.com/office/drawing/2014/main" id="{4B62F7F2-CA5A-A189-05C4-E60D04F3AE09}"/>
-              </a:ext>
-            </a:extLst>
-          </p:cNvPr>
-          <p:cNvPicPr>
-            <a:picLocks noChangeAspect="1"/>
-          </p:cNvPicPr>
-          <p:nvPr/>
-        </p:nvPicPr>
-        <p:blipFill>
-          <a:blip r:embed="rId2"/>
-          <a:stretch>
-            <a:fillRect/>
-          </a:stretch>
-        </p:blipFill>
-        <p:spPr>
-          <a:xfrm>
-            <a:off x="1723339" y="1897075"/>
-            <a:ext cx="8527566" cy="4269971"/>
-          </a:xfrm>
-          <a:prstGeom prst="rect">
-            <a:avLst/>
-          </a:prstGeom>
-        </p:spPr>
-      </p:pic>
-    </p:spTree>
-    <p:extLst>
-      <p:ext uri="{BB962C8B-B14F-4D97-AF65-F5344CB8AC3E}">
-        <p14:creationId xmlns:p14="http://schemas.microsoft.com/office/powerpoint/2010/main" val="360368846"/>
-      </p:ext>
-    </p:extLst>
-  </p:cSld>
-  <p:clrMapOvr>
-    <a:masterClrMapping/>
-  </p:clrMapOvr>
-</p:sld>
-</file>
-
-<file path=ppt/slides/slide14.xml><?xml version="1.0" encoding="utf-8"?>
-<p:sld xmlns:a="http://schemas.openxmlformats.org/drawingml/2006/main" xmlns:r="http://schemas.openxmlformats.org/officeDocument/2006/relationships" xmlns:p="http://schemas.openxmlformats.org/presentationml/2006/main">
-  <p:cSld>
-    <p:spTree>
-      <p:nvGrpSpPr>
-        <p:cNvPr id="1" name=""/>
-        <p:cNvGrpSpPr/>
-        <p:nvPr/>
-      </p:nvGrpSpPr>
-      <p:grpSpPr>
-        <a:xfrm>
-          <a:off x="0" y="0"/>
-          <a:ext cx="0" cy="0"/>
-          <a:chOff x="0" y="0"/>
-          <a:chExt cx="0" cy="0"/>
-        </a:xfrm>
-      </p:grpSpPr>
-      <p:sp>
-        <p:nvSpPr>
-          <p:cNvPr id="2" name="Title 1">
-            <a:extLst>
-              <a:ext uri="{FF2B5EF4-FFF2-40B4-BE49-F238E27FC236}">
-                <a16:creationId xmlns:a16="http://schemas.microsoft.com/office/drawing/2014/main" id="{CBE09BF8-46BA-FD23-431A-8F13AE8658BB}"/>
-              </a:ext>
-            </a:extLst>
-          </p:cNvPr>
-          <p:cNvSpPr>
-            <a:spLocks noGrp="1"/>
-          </p:cNvSpPr>
-          <p:nvPr>
-            <p:ph type="title"/>
-          </p:nvPr>
-        </p:nvSpPr>
-        <p:spPr/>
-        <p:txBody>
-          <a:bodyPr/>
-          <a:lstStyle/>
-          <a:p>
-            <a:r>
-              <a:rPr lang="en-US" dirty="0"/>
-              <a:t>Anagrams solved</a:t>
-            </a:r>
-          </a:p>
-        </p:txBody>
-      </p:sp>
-      <p:sp>
-        <p:nvSpPr>
-          <p:cNvPr id="3" name="Content Placeholder 2">
-            <a:extLst>
-              <a:ext uri="{FF2B5EF4-FFF2-40B4-BE49-F238E27FC236}">
-                <a16:creationId xmlns:a16="http://schemas.microsoft.com/office/drawing/2014/main" id="{594091BD-B196-315A-6A54-48E71483D9E5}"/>
-              </a:ext>
-            </a:extLst>
-          </p:cNvPr>
-          <p:cNvSpPr>
-            <a:spLocks noGrp="1"/>
-          </p:cNvSpPr>
-          <p:nvPr>
-            <p:ph idx="1"/>
-          </p:nvPr>
-        </p:nvSpPr>
-        <p:spPr>
-          <a:xfrm>
-            <a:off x="838200" y="1825625"/>
-            <a:ext cx="3879715" cy="4351338"/>
-          </a:xfrm>
-        </p:spPr>
-        <p:txBody>
-          <a:bodyPr>
-            <a:normAutofit/>
-          </a:bodyPr>
-          <a:lstStyle/>
-          <a:p>
-            <a:pPr algn="l"/>
-            <a:r>
-              <a:rPr lang="en-US" sz="1800" b="0" i="0" u="none" strike="noStrike" baseline="0" dirty="0">
-                <a:latin typeface="AdvOTf9433e2d"/>
-              </a:rPr>
-              <a:t>As shown in Figure 2, an analysis of variance (ANOVA) revealed that emotion condition affected the number of anagrams correctly solved on the dif</a:t>
-            </a:r>
-            <a:r>
-              <a:rPr lang="en-US" sz="1800" b="0" i="0" u="none" strike="noStrike" baseline="0" dirty="0">
-                <a:latin typeface="AdvOTf9433e2d+fb"/>
-              </a:rPr>
-              <a:t>fi</a:t>
-            </a:r>
-            <a:r>
-              <a:rPr lang="en-US" sz="1800" b="0" i="0" u="none" strike="noStrike" baseline="0" dirty="0">
-                <a:latin typeface="AdvOTf9433e2d"/>
-              </a:rPr>
-              <a:t>cult </a:t>
-            </a:r>
-            <a:r>
-              <a:rPr lang="en-US" sz="1800" b="0" i="0" u="none" strike="noStrike" baseline="0" dirty="0">
-                <a:latin typeface="AdvOTf9433e2d+fb"/>
-              </a:rPr>
-              <a:t>fi</a:t>
-            </a:r>
-            <a:r>
-              <a:rPr lang="en-US" sz="1800" b="0" i="0" u="none" strike="noStrike" baseline="0" dirty="0">
-                <a:latin typeface="AdvOTf9433e2d"/>
-              </a:rPr>
-              <a:t>rst set, </a:t>
-            </a:r>
-            <a:r>
-              <a:rPr lang="en-US" sz="1800" b="0" i="0" u="none" strike="noStrike" baseline="0" dirty="0">
-                <a:latin typeface="AdvOTb4af3d5d.I"/>
-              </a:rPr>
-              <a:t>F</a:t>
-            </a:r>
-            <a:r>
-              <a:rPr lang="en-US" sz="1800" b="0" i="0" u="none" strike="noStrike" baseline="0" dirty="0">
-                <a:latin typeface="AdvOTf9433e2d"/>
-              </a:rPr>
-              <a:t>(4, 228) </a:t>
-            </a:r>
-            <a:r>
-              <a:rPr lang="en-US" sz="1800" b="0" i="0" u="none" strike="noStrike" baseline="0" dirty="0">
-                <a:latin typeface="AdvOT8608a8d1"/>
-              </a:rPr>
-              <a:t>= </a:t>
-            </a:r>
-            <a:r>
-              <a:rPr lang="en-US" sz="1800" b="0" i="0" u="none" strike="noStrike" baseline="0" dirty="0">
-                <a:latin typeface="AdvOTf9433e2d"/>
-              </a:rPr>
-              <a:t>3.65, </a:t>
-            </a:r>
-            <a:r>
-              <a:rPr lang="en-US" sz="1800" b="0" i="0" u="none" strike="noStrike" baseline="0" dirty="0">
-                <a:latin typeface="AdvOTb4af3d5d.I"/>
-              </a:rPr>
-              <a:t>p </a:t>
-            </a:r>
-            <a:r>
-              <a:rPr lang="en-US" sz="1800" b="0" i="0" u="none" strike="noStrike" baseline="0" dirty="0">
-                <a:latin typeface="AdvOT8608a8d1"/>
-              </a:rPr>
-              <a:t>= </a:t>
-            </a:r>
-            <a:r>
-              <a:rPr lang="en-US" sz="1800" b="0" i="0" u="none" strike="noStrike" baseline="0" dirty="0">
-                <a:latin typeface="AdvOTf9433e2d"/>
-              </a:rPr>
-              <a:t>.007, </a:t>
-            </a:r>
-            <a:r>
-              <a:rPr lang="en-US" sz="1800" b="0" i="0" u="none" strike="noStrike" baseline="0" dirty="0">
-                <a:latin typeface="AdvOT8608a8d1+03"/>
-              </a:rPr>
-              <a:t>η</a:t>
-            </a:r>
-            <a:r>
-              <a:rPr lang="en-US" sz="1800" b="0" i="0" u="none" strike="noStrike" baseline="0" dirty="0">
-                <a:latin typeface="AdvTTbdb21c9e"/>
-              </a:rPr>
-              <a:t>2 </a:t>
-            </a:r>
-            <a:r>
-              <a:rPr lang="en-US" sz="1800" b="0" i="0" u="none" strike="noStrike" baseline="0" dirty="0">
-                <a:latin typeface="AdvTTd0b5fdba.I"/>
-              </a:rPr>
-              <a:t>p </a:t>
-            </a:r>
-            <a:r>
-              <a:rPr lang="en-US" sz="1800" b="0" i="0" u="none" strike="noStrike" baseline="0" dirty="0">
-                <a:latin typeface="AdvOT8608a8d1"/>
-              </a:rPr>
-              <a:t>= </a:t>
-            </a:r>
-            <a:r>
-              <a:rPr lang="en-US" sz="1800" b="0" i="0" u="none" strike="noStrike" baseline="0" dirty="0">
-                <a:latin typeface="AdvOTf9433e2d"/>
-              </a:rPr>
-              <a:t>.06. The primary contrast of interest showed that participants in the anger condition solved more anagrams than those in the neutral condition, </a:t>
-            </a:r>
-            <a:r>
-              <a:rPr lang="en-US" sz="1800" b="0" i="0" u="none" strike="noStrike" baseline="0" dirty="0">
-                <a:latin typeface="AdvOTb4af3d5d.I"/>
-              </a:rPr>
-              <a:t>t</a:t>
-            </a:r>
-            <a:r>
-              <a:rPr lang="en-US" sz="1800" b="0" i="0" u="none" strike="noStrike" baseline="0" dirty="0">
-                <a:latin typeface="AdvOTf9433e2d"/>
-              </a:rPr>
-              <a:t>(90) </a:t>
-            </a:r>
-            <a:r>
-              <a:rPr lang="en-US" sz="1800" b="0" i="0" u="none" strike="noStrike" baseline="0" dirty="0">
-                <a:latin typeface="AdvOT8608a8d1"/>
-              </a:rPr>
-              <a:t>= </a:t>
-            </a:r>
-            <a:r>
-              <a:rPr lang="en-US" sz="1800" b="0" i="0" u="none" strike="noStrike" baseline="0" dirty="0">
-                <a:latin typeface="AdvOTf9433e2d"/>
-              </a:rPr>
-              <a:t>3.82, </a:t>
-            </a:r>
-            <a:r>
-              <a:rPr lang="en-US" sz="1800" b="0" i="0" u="none" strike="noStrike" baseline="0" dirty="0">
-                <a:latin typeface="AdvOTb4af3d5d.I"/>
-              </a:rPr>
-              <a:t>p </a:t>
-            </a:r>
-            <a:r>
-              <a:rPr lang="en-US" sz="1800" b="0" i="0" u="none" strike="noStrike" baseline="0" dirty="0">
-                <a:latin typeface="AdvOT8608a8d1"/>
-              </a:rPr>
-              <a:t>&lt; </a:t>
-            </a:r>
-            <a:r>
-              <a:rPr lang="en-US" sz="1800" b="0" i="0" u="none" strike="noStrike" baseline="0" dirty="0">
-                <a:latin typeface="AdvOTf9433e2d"/>
-              </a:rPr>
-              <a:t>.001, </a:t>
-            </a:r>
-            <a:r>
-              <a:rPr lang="en-US" sz="1800" b="0" i="0" u="none" strike="noStrike" baseline="0" dirty="0">
-                <a:latin typeface="AdvOTb4af3d5d.I"/>
-              </a:rPr>
-              <a:t>d </a:t>
-            </a:r>
-            <a:r>
-              <a:rPr lang="en-US" sz="1800" b="0" i="0" u="none" strike="noStrike" baseline="0" dirty="0">
-                <a:latin typeface="AdvOT8608a8d1"/>
-              </a:rPr>
-              <a:t>= </a:t>
-            </a:r>
-            <a:r>
-              <a:rPr lang="en-US" sz="1800" b="0" i="0" u="none" strike="noStrike" baseline="0" dirty="0">
-                <a:latin typeface="AdvOTf9433e2d"/>
-              </a:rPr>
-              <a:t>.81.  Compared to the neutral condition, this represents a 39.18% improvement in goal attainment (anagrams solved) when angry.</a:t>
-            </a:r>
-            <a:endParaRPr lang="en-US" dirty="0"/>
-          </a:p>
-        </p:txBody>
-      </p:sp>
-      <p:pic>
-        <p:nvPicPr>
-          <p:cNvPr id="5" name="Picture 4">
-            <a:extLst>
-              <a:ext uri="{FF2B5EF4-FFF2-40B4-BE49-F238E27FC236}">
-                <a16:creationId xmlns:a16="http://schemas.microsoft.com/office/drawing/2014/main" id="{A543FF5D-86C5-B7BE-84C5-14D74BB0CBC6}"/>
-              </a:ext>
-            </a:extLst>
-          </p:cNvPr>
-          <p:cNvPicPr>
-            <a:picLocks noChangeAspect="1"/>
-          </p:cNvPicPr>
-          <p:nvPr/>
-        </p:nvPicPr>
-        <p:blipFill>
-          <a:blip r:embed="rId2"/>
-          <a:stretch>
-            <a:fillRect/>
-          </a:stretch>
-        </p:blipFill>
-        <p:spPr>
-          <a:xfrm>
-            <a:off x="4883894" y="1825625"/>
-            <a:ext cx="6353175" cy="3152775"/>
-          </a:xfrm>
-          <a:prstGeom prst="rect">
-            <a:avLst/>
-          </a:prstGeom>
-        </p:spPr>
-      </p:pic>
-    </p:spTree>
-    <p:extLst>
-      <p:ext uri="{BB962C8B-B14F-4D97-AF65-F5344CB8AC3E}">
-        <p14:creationId xmlns:p14="http://schemas.microsoft.com/office/powerpoint/2010/main" val="2421085612"/>
-      </p:ext>
-    </p:extLst>
-  </p:cSld>
-  <p:clrMapOvr>
-    <a:masterClrMapping/>
-  </p:clrMapOvr>
-</p:sld>
-</file>
-
-<file path=ppt/slides/slide15.xml><?xml version="1.0" encoding="utf-8"?>
-<p:sld xmlns:a="http://schemas.openxmlformats.org/drawingml/2006/main" xmlns:r="http://schemas.openxmlformats.org/officeDocument/2006/relationships" xmlns:p="http://schemas.openxmlformats.org/presentationml/2006/main">
-  <p:cSld>
-    <p:spTree>
-      <p:nvGrpSpPr>
-        <p:cNvPr id="1" name=""/>
-        <p:cNvGrpSpPr/>
-        <p:nvPr/>
-      </p:nvGrpSpPr>
-      <p:grpSpPr>
-        <a:xfrm>
-          <a:off x="0" y="0"/>
-          <a:ext cx="0" cy="0"/>
-          <a:chOff x="0" y="0"/>
-          <a:chExt cx="0" cy="0"/>
-        </a:xfrm>
-      </p:grpSpPr>
-      <p:sp>
-        <p:nvSpPr>
-          <p:cNvPr id="2" name="Title 1">
-            <a:extLst>
-              <a:ext uri="{FF2B5EF4-FFF2-40B4-BE49-F238E27FC236}">
-                <a16:creationId xmlns:a16="http://schemas.microsoft.com/office/drawing/2014/main" id="{1CD1C31A-34A5-8306-1099-E09B13D04115}"/>
-              </a:ext>
-            </a:extLst>
-          </p:cNvPr>
-          <p:cNvSpPr>
-            <a:spLocks noGrp="1"/>
-          </p:cNvSpPr>
-          <p:nvPr>
-            <p:ph type="title"/>
-          </p:nvPr>
-        </p:nvSpPr>
-        <p:spPr/>
-        <p:txBody>
-          <a:bodyPr/>
-          <a:lstStyle/>
-          <a:p>
-            <a:r>
-              <a:rPr lang="en-US" dirty="0"/>
-              <a:t>Additional studies</a:t>
-            </a:r>
-          </a:p>
-        </p:txBody>
-      </p:sp>
-      <p:sp>
-        <p:nvSpPr>
-          <p:cNvPr id="3" name="Content Placeholder 2">
-            <a:extLst>
-              <a:ext uri="{FF2B5EF4-FFF2-40B4-BE49-F238E27FC236}">
-                <a16:creationId xmlns:a16="http://schemas.microsoft.com/office/drawing/2014/main" id="{761FF71A-C9B4-6046-506D-E006C15F0C96}"/>
-              </a:ext>
-            </a:extLst>
-          </p:cNvPr>
-          <p:cNvSpPr>
-            <a:spLocks noGrp="1"/>
-          </p:cNvSpPr>
-          <p:nvPr>
-            <p:ph idx="1"/>
-          </p:nvPr>
-        </p:nvSpPr>
-        <p:spPr/>
-        <p:txBody>
-          <a:bodyPr/>
-          <a:lstStyle/>
-          <a:p>
-            <a:r>
-              <a:rPr lang="en-US" dirty="0"/>
-              <a:t>Study 2: anger led to more cheating (false self-report) on hard puzzle solutions</a:t>
-            </a:r>
-          </a:p>
-          <a:p>
-            <a:r>
-              <a:rPr lang="en-US" dirty="0"/>
-              <a:t>Study 3: video game play – skiing on Wii balance board</a:t>
-            </a:r>
-          </a:p>
-          <a:p>
-            <a:pPr lvl="1"/>
-            <a:r>
-              <a:rPr lang="en-US" dirty="0"/>
-              <a:t>Hard/easy game</a:t>
-            </a:r>
-          </a:p>
-          <a:p>
-            <a:pPr lvl="1"/>
-            <a:r>
-              <a:rPr lang="en-US" dirty="0"/>
-              <a:t>5 emotion levels</a:t>
-            </a:r>
-          </a:p>
-          <a:p>
-            <a:pPr lvl="1"/>
-            <a:r>
-              <a:rPr lang="en-US" dirty="0"/>
-              <a:t>Anger led to better scores on only harder game</a:t>
-            </a:r>
-          </a:p>
-          <a:p>
-            <a:r>
-              <a:rPr lang="en-US" dirty="0"/>
-              <a:t>Study 4: decreased reaction times after unfair game</a:t>
-            </a:r>
-          </a:p>
-          <a:p>
-            <a:r>
-              <a:rPr lang="en-US" dirty="0"/>
-              <a:t>Study 5: non-experimental study comparing anger and voting tendency</a:t>
-            </a:r>
-          </a:p>
-        </p:txBody>
-      </p:sp>
-    </p:spTree>
-    <p:extLst>
-      <p:ext uri="{BB962C8B-B14F-4D97-AF65-F5344CB8AC3E}">
-        <p14:creationId xmlns:p14="http://schemas.microsoft.com/office/powerpoint/2010/main" val="873536130"/>
-      </p:ext>
-    </p:extLst>
-  </p:cSld>
-  <p:clrMapOvr>
-    <a:masterClrMapping/>
-  </p:clrMapOvr>
-</p:sld>
-</file>
-
-<file path=ppt/slides/slide16.xml><?xml version="1.0" encoding="utf-8"?>
-<p:sld xmlns:a="http://schemas.openxmlformats.org/drawingml/2006/main" xmlns:r="http://schemas.openxmlformats.org/officeDocument/2006/relationships" xmlns:p="http://schemas.openxmlformats.org/presentationml/2006/main">
-  <p:cSld>
-    <p:spTree>
-      <p:nvGrpSpPr>
-        <p:cNvPr id="1" name=""/>
-        <p:cNvGrpSpPr/>
-        <p:nvPr/>
-      </p:nvGrpSpPr>
-      <p:grpSpPr>
-        <a:xfrm>
-          <a:off x="0" y="0"/>
-          <a:ext cx="0" cy="0"/>
-          <a:chOff x="0" y="0"/>
-          <a:chExt cx="0" cy="0"/>
-        </a:xfrm>
-      </p:grpSpPr>
-      <p:pic>
-        <p:nvPicPr>
-          <p:cNvPr id="8" name="Picture 7">
-            <a:extLst>
-              <a:ext uri="{FF2B5EF4-FFF2-40B4-BE49-F238E27FC236}">
-                <a16:creationId xmlns:a16="http://schemas.microsoft.com/office/drawing/2014/main" id="{5CCD9490-07CF-884A-C0DE-1A1B6B440AA1}"/>
-              </a:ext>
-            </a:extLst>
-          </p:cNvPr>
-          <p:cNvPicPr>
-            <a:picLocks noChangeAspect="1"/>
-          </p:cNvPicPr>
-          <p:nvPr/>
-        </p:nvPicPr>
-        <p:blipFill>
-          <a:blip r:embed="rId2"/>
-          <a:stretch>
-            <a:fillRect/>
-          </a:stretch>
-        </p:blipFill>
-        <p:spPr>
-          <a:xfrm>
-            <a:off x="820738" y="611491"/>
-            <a:ext cx="4772025" cy="2219325"/>
-          </a:xfrm>
-          <a:prstGeom prst="rect">
-            <a:avLst/>
-          </a:prstGeom>
-        </p:spPr>
-      </p:pic>
-      <p:pic>
-        <p:nvPicPr>
-          <p:cNvPr id="10" name="Picture 9">
-            <a:extLst>
-              <a:ext uri="{FF2B5EF4-FFF2-40B4-BE49-F238E27FC236}">
-                <a16:creationId xmlns:a16="http://schemas.microsoft.com/office/drawing/2014/main" id="{F6D25247-CA26-79E1-F68D-C9A1E794A6FC}"/>
-              </a:ext>
-            </a:extLst>
-          </p:cNvPr>
-          <p:cNvPicPr>
-            <a:picLocks noChangeAspect="1"/>
-          </p:cNvPicPr>
-          <p:nvPr/>
-        </p:nvPicPr>
-        <p:blipFill>
-          <a:blip r:embed="rId3"/>
-          <a:stretch>
-            <a:fillRect/>
-          </a:stretch>
-        </p:blipFill>
-        <p:spPr>
-          <a:xfrm>
-            <a:off x="836612" y="2830816"/>
-            <a:ext cx="4714875" cy="3667125"/>
-          </a:xfrm>
-          <a:prstGeom prst="rect">
-            <a:avLst/>
-          </a:prstGeom>
-        </p:spPr>
-      </p:pic>
-      <p:pic>
-        <p:nvPicPr>
-          <p:cNvPr id="12" name="Picture 11">
-            <a:extLst>
-              <a:ext uri="{FF2B5EF4-FFF2-40B4-BE49-F238E27FC236}">
-                <a16:creationId xmlns:a16="http://schemas.microsoft.com/office/drawing/2014/main" id="{D11DF01D-40CB-F795-8233-642D409DF8DF}"/>
-              </a:ext>
-            </a:extLst>
-          </p:cNvPr>
-          <p:cNvPicPr>
-            <a:picLocks noChangeAspect="1"/>
-          </p:cNvPicPr>
-          <p:nvPr/>
-        </p:nvPicPr>
-        <p:blipFill>
-          <a:blip r:embed="rId4"/>
-          <a:stretch>
-            <a:fillRect/>
-          </a:stretch>
-        </p:blipFill>
-        <p:spPr>
-          <a:xfrm>
-            <a:off x="6172200" y="102394"/>
-            <a:ext cx="4886325" cy="1990725"/>
-          </a:xfrm>
-          <a:prstGeom prst="rect">
-            <a:avLst/>
-          </a:prstGeom>
-        </p:spPr>
-      </p:pic>
-      <p:pic>
-        <p:nvPicPr>
-          <p:cNvPr id="14" name="Picture 13">
-            <a:extLst>
-              <a:ext uri="{FF2B5EF4-FFF2-40B4-BE49-F238E27FC236}">
-                <a16:creationId xmlns:a16="http://schemas.microsoft.com/office/drawing/2014/main" id="{9AB04166-AA5E-0BAE-5214-169B817E9727}"/>
-              </a:ext>
-            </a:extLst>
-          </p:cNvPr>
-          <p:cNvPicPr>
-            <a:picLocks noChangeAspect="1"/>
-          </p:cNvPicPr>
-          <p:nvPr/>
-        </p:nvPicPr>
-        <p:blipFill>
-          <a:blip r:embed="rId5"/>
-          <a:stretch>
-            <a:fillRect/>
-          </a:stretch>
-        </p:blipFill>
-        <p:spPr>
-          <a:xfrm>
-            <a:off x="6172200" y="2008981"/>
-            <a:ext cx="4867275" cy="4676775"/>
-          </a:xfrm>
-          <a:prstGeom prst="rect">
-            <a:avLst/>
-          </a:prstGeom>
-        </p:spPr>
-      </p:pic>
-    </p:spTree>
-    <p:extLst>
-      <p:ext uri="{BB962C8B-B14F-4D97-AF65-F5344CB8AC3E}">
-        <p14:creationId xmlns:p14="http://schemas.microsoft.com/office/powerpoint/2010/main" val="197341744"/>
-      </p:ext>
-    </p:extLst>
-  </p:cSld>
-  <p:clrMapOvr>
-    <a:masterClrMapping/>
-  </p:clrMapOvr>
-</p:sld>
-</file>
-
-<file path=ppt/slides/slide17.xml><?xml version="1.0" encoding="utf-8"?>
-<p:sld xmlns:a="http://schemas.openxmlformats.org/drawingml/2006/main" xmlns:r="http://schemas.openxmlformats.org/officeDocument/2006/relationships" xmlns:p="http://schemas.openxmlformats.org/presentationml/2006/main">
-  <p:cSld>
-    <p:spTree>
-      <p:nvGrpSpPr>
-        <p:cNvPr id="1" name=""/>
-        <p:cNvGrpSpPr/>
-        <p:nvPr/>
-      </p:nvGrpSpPr>
-      <p:grpSpPr>
-        <a:xfrm>
-          <a:off x="0" y="0"/>
-          <a:ext cx="0" cy="0"/>
-          <a:chOff x="0" y="0"/>
-          <a:chExt cx="0" cy="0"/>
-        </a:xfrm>
-      </p:grpSpPr>
-      <p:sp>
-        <p:nvSpPr>
-          <p:cNvPr id="2" name="Title 1">
-            <a:extLst>
-              <a:ext uri="{FF2B5EF4-FFF2-40B4-BE49-F238E27FC236}">
-                <a16:creationId xmlns:a16="http://schemas.microsoft.com/office/drawing/2014/main" id="{106A01D1-A403-8EDE-0295-E1929E74A788}"/>
-              </a:ext>
-            </a:extLst>
-          </p:cNvPr>
-          <p:cNvSpPr>
-            <a:spLocks noGrp="1"/>
-          </p:cNvSpPr>
-          <p:nvPr>
-            <p:ph type="title"/>
-          </p:nvPr>
-        </p:nvSpPr>
-        <p:spPr/>
-        <p:txBody>
-          <a:bodyPr/>
-          <a:lstStyle/>
-          <a:p>
-            <a:r>
-              <a:rPr lang="en-US" dirty="0"/>
-              <a:t>For Fri 2/9</a:t>
-            </a:r>
-          </a:p>
-        </p:txBody>
-      </p:sp>
-      <p:sp>
-        <p:nvSpPr>
-          <p:cNvPr id="3" name="Content Placeholder 2">
-            <a:extLst>
-              <a:ext uri="{FF2B5EF4-FFF2-40B4-BE49-F238E27FC236}">
-                <a16:creationId xmlns:a16="http://schemas.microsoft.com/office/drawing/2014/main" id="{F6E59B7A-7D14-1519-E54B-AF8AACDADA46}"/>
-              </a:ext>
-            </a:extLst>
-          </p:cNvPr>
-          <p:cNvSpPr>
-            <a:spLocks noGrp="1"/>
-          </p:cNvSpPr>
-          <p:nvPr>
-            <p:ph idx="1"/>
-          </p:nvPr>
-        </p:nvSpPr>
-        <p:spPr/>
-        <p:txBody>
-          <a:bodyPr>
-            <a:normAutofit/>
-          </a:bodyPr>
-          <a:lstStyle/>
-          <a:p>
-            <a:r>
-              <a:rPr lang="en-US" sz="3200" dirty="0"/>
-              <a:t>Chapter 13, Developing a Research Proposal</a:t>
-            </a:r>
-          </a:p>
-          <a:p>
-            <a:pPr lvl="1"/>
-            <a:r>
-              <a:rPr lang="en-US" sz="2800" dirty="0"/>
-              <a:t>Finding background reference that might be a good starting point for your final project</a:t>
-            </a:r>
-          </a:p>
-          <a:p>
-            <a:pPr lvl="1"/>
-            <a:r>
-              <a:rPr lang="en-US" sz="2800" dirty="0"/>
-              <a:t>Use this paper as a writing example to look at style of writing the Introduction and Discussion</a:t>
-            </a:r>
-          </a:p>
-          <a:p>
-            <a:pPr lvl="1"/>
-            <a:endParaRPr lang="en-US" sz="2800" dirty="0"/>
-          </a:p>
-        </p:txBody>
-      </p:sp>
-    </p:spTree>
-    <p:extLst>
-      <p:ext uri="{BB962C8B-B14F-4D97-AF65-F5344CB8AC3E}">
-        <p14:creationId xmlns:p14="http://schemas.microsoft.com/office/powerpoint/2010/main" val="3510278617"/>
-      </p:ext>
-    </p:extLst>
-  </p:cSld>
-  <p:clrMapOvr>
-    <a:masterClrMapping/>
-  </p:clrMapOvr>
-</p:sld>
-</file>
-
 <file path=ppt/slides/slide2.xml><?xml version="1.0" encoding="utf-8"?>
 <p:sld xmlns:a="http://schemas.openxmlformats.org/drawingml/2006/main" xmlns:r="http://schemas.openxmlformats.org/officeDocument/2006/relationships" xmlns:p="http://schemas.openxmlformats.org/presentationml/2006/main">
   <p:cSld>
@@ -5735,7 +4437,7 @@
           <p:cNvPr id="2" name="Title 1">
             <a:extLst>
               <a:ext uri="{FF2B5EF4-FFF2-40B4-BE49-F238E27FC236}">
-                <a16:creationId xmlns:a16="http://schemas.microsoft.com/office/drawing/2014/main" id="{6BD2741A-DF63-7A5C-BC30-85EEE065271C}"/>
+                <a16:creationId xmlns:a16="http://schemas.microsoft.com/office/drawing/2014/main" id="{106A01D1-A403-8EDE-0295-E1929E74A788}"/>
               </a:ext>
             </a:extLst>
           </p:cNvPr>
@@ -5751,7 +4453,10 @@
           <a:bodyPr/>
           <a:lstStyle/>
           <a:p>
-            <a:endParaRPr lang="en-US"/>
+            <a:r>
+              <a:rPr lang="en-US" dirty="0"/>
+              <a:t>For Fri 2/9</a:t>
+            </a:r>
           </a:p>
         </p:txBody>
       </p:sp>
@@ -5760,7 +4465,7 @@
           <p:cNvPr id="3" name="Content Placeholder 2">
             <a:extLst>
               <a:ext uri="{FF2B5EF4-FFF2-40B4-BE49-F238E27FC236}">
-                <a16:creationId xmlns:a16="http://schemas.microsoft.com/office/drawing/2014/main" id="{67913175-C358-1D2A-4C79-CBA9666D06D0}"/>
+                <a16:creationId xmlns:a16="http://schemas.microsoft.com/office/drawing/2014/main" id="{F6E59B7A-7D14-1519-E54B-AF8AACDADA46}"/>
               </a:ext>
             </a:extLst>
           </p:cNvPr>
@@ -5773,47 +4478,40 @@
         </p:nvSpPr>
         <p:spPr/>
         <p:txBody>
-          <a:bodyPr/>
-          <a:lstStyle/>
-          <a:p>
-            <a:endParaRPr lang="en-US"/>
-          </a:p>
-        </p:txBody>
-      </p:sp>
-      <p:pic>
-        <p:nvPicPr>
-          <p:cNvPr id="5" name="Picture 4">
-            <a:extLst>
-              <a:ext uri="{FF2B5EF4-FFF2-40B4-BE49-F238E27FC236}">
-                <a16:creationId xmlns:a16="http://schemas.microsoft.com/office/drawing/2014/main" id="{FBFA3F34-BD12-AF43-82E4-AB14DB52019D}"/>
-              </a:ext>
-            </a:extLst>
-          </p:cNvPr>
-          <p:cNvPicPr>
-            <a:picLocks noChangeAspect="1"/>
-          </p:cNvPicPr>
-          <p:nvPr/>
-        </p:nvPicPr>
-        <p:blipFill>
-          <a:blip r:embed="rId2"/>
-          <a:stretch>
-            <a:fillRect/>
-          </a:stretch>
-        </p:blipFill>
-        <p:spPr>
-          <a:xfrm>
-            <a:off x="862012" y="271462"/>
-            <a:ext cx="10467975" cy="6315075"/>
-          </a:xfrm>
-          <a:prstGeom prst="rect">
-            <a:avLst/>
-          </a:prstGeom>
-        </p:spPr>
-      </p:pic>
+          <a:bodyPr>
+            <a:normAutofit/>
+          </a:bodyPr>
+          <a:lstStyle/>
+          <a:p>
+            <a:r>
+              <a:rPr lang="en-US" sz="3200" dirty="0"/>
+              <a:t>Chapter 13, Developing a Research Proposal</a:t>
+            </a:r>
+          </a:p>
+          <a:p>
+            <a:pPr lvl="1"/>
+            <a:r>
+              <a:rPr lang="en-US" sz="2800" dirty="0"/>
+              <a:t>Finding background reference that might be a good starting point for your final project</a:t>
+            </a:r>
+          </a:p>
+          <a:p>
+            <a:pPr lvl="1"/>
+            <a:r>
+              <a:rPr lang="en-US" sz="2800" dirty="0"/>
+              <a:t>Use this paper as a writing example to look at style of writing the Introduction and Discussion</a:t>
+            </a:r>
+          </a:p>
+          <a:p>
+            <a:pPr lvl="1"/>
+            <a:endParaRPr lang="en-US" sz="2800" dirty="0"/>
+          </a:p>
+        </p:txBody>
+      </p:sp>
     </p:spTree>
     <p:extLst>
       <p:ext uri="{BB962C8B-B14F-4D97-AF65-F5344CB8AC3E}">
-        <p14:creationId xmlns:p14="http://schemas.microsoft.com/office/powerpoint/2010/main" val="325581185"/>
+        <p14:creationId xmlns:p14="http://schemas.microsoft.com/office/powerpoint/2010/main" val="3510278617"/>
       </p:ext>
     </p:extLst>
   </p:cSld>
